--- a/Math_Project.pptx
+++ b/Math_Project.pptx
@@ -6604,8 +6604,8 @@
               <a:t>In this project, NFL Super Bowl </a:t>
             </a:r>
             <a:r>
-              <a:rPr lang="en-US" dirty="0" smtClean="0"/>
-              <a:t>teams </a:t>
+              <a:rPr lang="en-US" smtClean="0"/>
+              <a:t>team points </a:t>
             </a:r>
             <a:r>
               <a:rPr lang="en-US" dirty="0" smtClean="0"/>

--- a/Math_Project.pptx
+++ b/Math_Project.pptx
@@ -7,14 +7,15 @@
   <p:sldIdLst>
     <p:sldId id="256" r:id="rId2"/>
     <p:sldId id="265" r:id="rId3"/>
-    <p:sldId id="257" r:id="rId4"/>
+    <p:sldId id="266" r:id="rId4"/>
     <p:sldId id="258" r:id="rId5"/>
     <p:sldId id="259" r:id="rId6"/>
     <p:sldId id="261" r:id="rId7"/>
     <p:sldId id="260" r:id="rId8"/>
     <p:sldId id="262" r:id="rId9"/>
-    <p:sldId id="263" r:id="rId10"/>
-    <p:sldId id="264" r:id="rId11"/>
+    <p:sldId id="267" r:id="rId10"/>
+    <p:sldId id="263" r:id="rId11"/>
+    <p:sldId id="264" r:id="rId12"/>
   </p:sldIdLst>
   <p:sldSz cx="9144000" cy="6858000" type="screen4x3"/>
   <p:notesSz cx="6858000" cy="9144000"/>
@@ -115,7 +116,7 @@
   </p:defaultTextStyle>
   <p:extLst>
     <p:ext uri="{EFAFB233-063F-42B5-8137-9DF3F51BA10A}">
-      <p15:sldGuideLst xmlns:p15="http://schemas.microsoft.com/office/powerpoint/2012/main" xmlns="">
+      <p15:sldGuideLst xmlns="" xmlns:p15="http://schemas.microsoft.com/office/powerpoint/2012/main">
         <p15:guide id="1" orient="horz" pos="2160">
           <p15:clr>
             <a:srgbClr val="A4A3A4"/>
@@ -414,7 +415,7 @@
             <a:fld id="{9D21D778-B565-4D7E-94D7-64010A445B68}" type="datetimeFigureOut">
               <a:rPr lang="en-US" smtClean="0"/>
               <a:pPr eaLnBrk="1" latinLnBrk="0" hangingPunct="1"/>
-              <a:t>30/03/16</a:t>
+              <a:t>31/03/16</a:t>
             </a:fld>
             <a:endParaRPr lang="en-US"/>
           </a:p>
@@ -816,7 +817,7 @@
             <a:fld id="{9D21D778-B565-4D7E-94D7-64010A445B68}" type="datetimeFigureOut">
               <a:rPr lang="en-US" smtClean="0"/>
               <a:pPr eaLnBrk="1" latinLnBrk="0" hangingPunct="1"/>
-              <a:t>30/03/16</a:t>
+              <a:t>31/03/16</a:t>
             </a:fld>
             <a:endParaRPr lang="en-US"/>
           </a:p>
@@ -1352,7 +1353,7 @@
             <a:fld id="{9D21D778-B565-4D7E-94D7-64010A445B68}" type="datetimeFigureOut">
               <a:rPr lang="en-US" smtClean="0"/>
               <a:pPr eaLnBrk="1" latinLnBrk="0" hangingPunct="1"/>
-              <a:t>30/03/16</a:t>
+              <a:t>31/03/16</a:t>
             </a:fld>
             <a:endParaRPr lang="en-US"/>
           </a:p>
@@ -1487,7 +1488,7 @@
             <a:fld id="{9D21D778-B565-4D7E-94D7-64010A445B68}" type="datetimeFigureOut">
               <a:rPr lang="en-US" smtClean="0"/>
               <a:pPr eaLnBrk="1" latinLnBrk="0" hangingPunct="1"/>
-              <a:t>30/03/16</a:t>
+              <a:t>31/03/16</a:t>
             </a:fld>
             <a:endParaRPr lang="en-US"/>
           </a:p>
@@ -2033,7 +2034,7 @@
             <a:fld id="{9D21D778-B565-4D7E-94D7-64010A445B68}" type="datetimeFigureOut">
               <a:rPr lang="en-US" smtClean="0"/>
               <a:pPr eaLnBrk="1" latinLnBrk="0" hangingPunct="1"/>
-              <a:t>30/03/16</a:t>
+              <a:t>31/03/16</a:t>
             </a:fld>
             <a:endParaRPr lang="en-US"/>
           </a:p>
@@ -2337,7 +2338,7 @@
             <a:fld id="{9D21D778-B565-4D7E-94D7-64010A445B68}" type="datetimeFigureOut">
               <a:rPr lang="en-US" smtClean="0"/>
               <a:pPr eaLnBrk="1" latinLnBrk="0" hangingPunct="1"/>
-              <a:t>30/03/16</a:t>
+              <a:t>31/03/16</a:t>
             </a:fld>
             <a:endParaRPr lang="en-US"/>
           </a:p>
@@ -2999,7 +3000,7 @@
             <a:fld id="{9D21D778-B565-4D7E-94D7-64010A445B68}" type="datetimeFigureOut">
               <a:rPr lang="en-US" smtClean="0"/>
               <a:pPr eaLnBrk="1" latinLnBrk="0" hangingPunct="1"/>
-              <a:t>30/03/16</a:t>
+              <a:t>31/03/16</a:t>
             </a:fld>
             <a:endParaRPr lang="en-US"/>
           </a:p>
@@ -3439,7 +3440,7 @@
             <a:fld id="{9D21D778-B565-4D7E-94D7-64010A445B68}" type="datetimeFigureOut">
               <a:rPr lang="en-US" smtClean="0"/>
               <a:pPr eaLnBrk="1" latinLnBrk="0" hangingPunct="1"/>
-              <a:t>30/03/16</a:t>
+              <a:t>31/03/16</a:t>
             </a:fld>
             <a:endParaRPr lang="en-US"/>
           </a:p>
@@ -3755,7 +3756,7 @@
             <a:fld id="{9D21D778-B565-4D7E-94D7-64010A445B68}" type="datetimeFigureOut">
               <a:rPr lang="en-US" smtClean="0"/>
               <a:pPr eaLnBrk="1" latinLnBrk="0" hangingPunct="1"/>
-              <a:t>30/03/16</a:t>
+              <a:t>31/03/16</a:t>
             </a:fld>
             <a:endParaRPr lang="en-US"/>
           </a:p>
@@ -4501,7 +4502,7 @@
             <a:fld id="{9D21D778-B565-4D7E-94D7-64010A445B68}" type="datetimeFigureOut">
               <a:rPr lang="en-US" smtClean="0"/>
               <a:pPr eaLnBrk="1" latinLnBrk="0" hangingPunct="1"/>
-              <a:t>30/03/16</a:t>
+              <a:t>31/03/16</a:t>
             </a:fld>
             <a:endParaRPr lang="en-US"/>
           </a:p>
@@ -5168,7 +5169,7 @@
             <a:fld id="{9D21D778-B565-4D7E-94D7-64010A445B68}" type="datetimeFigureOut">
               <a:rPr lang="en-US" smtClean="0"/>
               <a:pPr eaLnBrk="1" latinLnBrk="0" hangingPunct="1"/>
-              <a:t>30/03/16</a:t>
+              <a:t>31/03/16</a:t>
             </a:fld>
             <a:endParaRPr lang="en-US" dirty="0"/>
           </a:p>
@@ -5443,7 +5444,7 @@
             <a:fld id="{9D21D778-B565-4D7E-94D7-64010A445B68}" type="datetimeFigureOut">
               <a:rPr lang="en-US" smtClean="0"/>
               <a:pPr algn="r" eaLnBrk="1" latinLnBrk="0" hangingPunct="1"/>
-              <a:t>30/03/16</a:t>
+              <a:t>31/03/16</a:t>
             </a:fld>
             <a:endParaRPr lang="en-US" sz="1400" dirty="0">
               <a:solidFill>
@@ -6149,20 +6150,20 @@
           <a:lstStyle/>
           <a:p>
             <a:r>
+              <a:rPr lang="en-US" dirty="0" err="1" smtClean="0"/>
+              <a:t>Vijitha</a:t>
+            </a:r>
+            <a:r>
               <a:rPr lang="en-US" dirty="0" smtClean="0"/>
-              <a:t>Vijitha, Rama, </a:t>
+              <a:t>, Rama, </a:t>
             </a:r>
             <a:r>
               <a:rPr lang="en-US" dirty="0" err="1" smtClean="0"/>
-              <a:t>PrAmodh</a:t>
+              <a:t>PrAmodhKUMAR</a:t>
             </a:r>
             <a:r>
               <a:rPr lang="en-US" dirty="0" smtClean="0"/>
-              <a:t> </a:t>
-            </a:r>
-            <a:r>
-              <a:rPr lang="en-US" dirty="0" smtClean="0"/>
-              <a:t>and </a:t>
+              <a:t> and </a:t>
             </a:r>
             <a:r>
               <a:rPr lang="en-US" dirty="0" err="1" smtClean="0"/>
@@ -6252,6 +6253,102 @@
           <a:p>
             <a:r>
               <a:rPr lang="en-US" dirty="0" smtClean="0"/>
+              <a:t>Status</a:t>
+            </a:r>
+            <a:endParaRPr lang="en-US" dirty="0"/>
+          </a:p>
+        </p:txBody>
+      </p:sp>
+      <p:sp>
+        <p:nvSpPr>
+          <p:cNvPr id="3" name="Content Placeholder 2"/>
+          <p:cNvSpPr>
+            <a:spLocks noGrp="1"/>
+          </p:cNvSpPr>
+          <p:nvPr>
+            <p:ph sz="quarter" idx="1"/>
+          </p:nvPr>
+        </p:nvSpPr>
+        <p:spPr/>
+        <p:txBody>
+          <a:bodyPr/>
+          <a:lstStyle/>
+          <a:p>
+            <a:r>
+              <a:rPr lang="en-US" dirty="0" smtClean="0"/>
+              <a:t>Dataset from 1967 to 2015 has been aggregated into a single </a:t>
+            </a:r>
+            <a:r>
+              <a:rPr lang="en-US" dirty="0" err="1" smtClean="0"/>
+              <a:t>csv</a:t>
+            </a:r>
+            <a:r>
+              <a:rPr lang="en-US" dirty="0" smtClean="0"/>
+              <a:t> file</a:t>
+            </a:r>
+          </a:p>
+          <a:p>
+            <a:r>
+              <a:rPr lang="en-US" dirty="0" smtClean="0"/>
+              <a:t>Preliminary analysis is complete</a:t>
+            </a:r>
+          </a:p>
+          <a:p>
+            <a:r>
+              <a:rPr lang="en-US" dirty="0" smtClean="0"/>
+              <a:t>Have started working on the Abstract and Introduction part of the Project Report</a:t>
+            </a:r>
+            <a:endParaRPr lang="en-US" dirty="0"/>
+          </a:p>
+        </p:txBody>
+      </p:sp>
+    </p:spTree>
+    <p:extLst>
+      <p:ext uri="{BB962C8B-B14F-4D97-AF65-F5344CB8AC3E}">
+        <p14:creationId xmlns:p14="http://schemas.microsoft.com/office/powerpoint/2010/main" val="3108672790"/>
+      </p:ext>
+    </p:extLst>
+  </p:cSld>
+  <p:clrMapOvr>
+    <a:masterClrMapping/>
+  </p:clrMapOvr>
+</p:sld>
+</file>
+
+<file path=ppt/slides/slide11.xml><?xml version="1.0" encoding="utf-8"?>
+<p:sld xmlns:a="http://schemas.openxmlformats.org/drawingml/2006/main" xmlns:r="http://schemas.openxmlformats.org/officeDocument/2006/relationships" xmlns:p="http://schemas.openxmlformats.org/presentationml/2006/main">
+  <p:cSld>
+    <p:spTree>
+      <p:nvGrpSpPr>
+        <p:cNvPr id="1" name=""/>
+        <p:cNvGrpSpPr/>
+        <p:nvPr/>
+      </p:nvGrpSpPr>
+      <p:grpSpPr>
+        <a:xfrm>
+          <a:off x="0" y="0"/>
+          <a:ext cx="0" cy="0"/>
+          <a:chOff x="0" y="0"/>
+          <a:chExt cx="0" cy="0"/>
+        </a:xfrm>
+      </p:grpSpPr>
+      <p:sp>
+        <p:nvSpPr>
+          <p:cNvPr id="2" name="Title 1"/>
+          <p:cNvSpPr>
+            <a:spLocks noGrp="1"/>
+          </p:cNvSpPr>
+          <p:nvPr>
+            <p:ph type="title"/>
+          </p:nvPr>
+        </p:nvSpPr>
+        <p:spPr/>
+        <p:txBody>
+          <a:bodyPr/>
+          <a:lstStyle/>
+          <a:p>
+            <a:r>
+              <a:rPr lang="en-US" dirty="0" smtClean="0"/>
               <a:t>Project Contribution</a:t>
             </a:r>
             <a:endParaRPr lang="en-US" dirty="0"/>
@@ -6318,7 +6415,7 @@
             </a:r>
             <a:r>
               <a:rPr lang="en-US" i="1" dirty="0" err="1" smtClean="0"/>
-              <a:t>Pramod</a:t>
+              <a:t>Pramodh</a:t>
             </a:r>
             <a:r>
               <a:rPr lang="en-US" i="1" dirty="0" smtClean="0"/>
@@ -6441,8 +6538,19 @@
           <a:p>
             <a:r>
               <a:rPr lang="en-US" dirty="0" smtClean="0"/>
-              <a:t>Preliminary Analysis</a:t>
-            </a:r>
+              <a:t>Preliminary </a:t>
+            </a:r>
+            <a:r>
+              <a:rPr lang="en-US" dirty="0" smtClean="0"/>
+              <a:t>Analysis</a:t>
+            </a:r>
+          </a:p>
+          <a:p>
+            <a:r>
+              <a:rPr lang="en-US" dirty="0" smtClean="0"/>
+              <a:t>Dataset Summary</a:t>
+            </a:r>
+            <a:endParaRPr lang="en-US" dirty="0" smtClean="0"/>
           </a:p>
           <a:p>
             <a:r>
@@ -6524,17 +6632,74 @@
         </p:nvSpPr>
         <p:spPr/>
         <p:txBody>
-          <a:bodyPr/>
-          <a:lstStyle/>
-          <a:p>
-            <a:endParaRPr lang="en-US"/>
+          <a:bodyPr>
+            <a:normAutofit fontScale="92500" lnSpcReduction="20000"/>
+          </a:bodyPr>
+          <a:lstStyle/>
+          <a:p>
+            <a:r>
+              <a:rPr lang="en-US" dirty="0"/>
+              <a:t>The National Football League (NFL) is a professional American football league consisting of 32 </a:t>
+            </a:r>
+            <a:r>
+              <a:rPr lang="en-US" dirty="0" smtClean="0"/>
+              <a:t>teams.</a:t>
+            </a:r>
+          </a:p>
+          <a:p>
+            <a:r>
+              <a:rPr lang="en-US" dirty="0" smtClean="0"/>
+              <a:t>32 teams are divided into two conferences NFC (National Football Conference) and AFC (American Football Conference) with 16 teams in each conference.</a:t>
+            </a:r>
+          </a:p>
+          <a:p>
+            <a:r>
+              <a:rPr lang="en-US" dirty="0"/>
+              <a:t>The NFL's 17-week regular season with each team playing 16 games and having one bye week</a:t>
+            </a:r>
+            <a:r>
+              <a:rPr lang="en-US" dirty="0" smtClean="0"/>
+              <a:t>.</a:t>
+            </a:r>
+          </a:p>
+          <a:p>
+            <a:r>
+              <a:rPr lang="en-US" dirty="0"/>
+              <a:t>Following the conclusion of the regular season, six teams from each conference (four division winners and two wild card teams) advance to the </a:t>
+            </a:r>
+            <a:r>
+              <a:rPr lang="en-US" dirty="0" smtClean="0"/>
+              <a:t>playoffs.</a:t>
+            </a:r>
+          </a:p>
+          <a:p>
+            <a:r>
+              <a:rPr lang="en-US" dirty="0" smtClean="0"/>
+              <a:t>A </a:t>
+            </a:r>
+            <a:r>
+              <a:rPr lang="en-US" dirty="0"/>
+              <a:t>single-elimination tournament culminating in the Super Bowl, played between the champions of the NFC and AFC</a:t>
+            </a:r>
+            <a:r>
+              <a:rPr lang="en-US" dirty="0" smtClean="0"/>
+              <a:t>.</a:t>
+            </a:r>
+            <a:r>
+              <a:rPr lang="en-US" dirty="0"/>
+              <a:t> </a:t>
+            </a:r>
+            <a:r>
+              <a:rPr lang="en-US" dirty="0" smtClean="0"/>
+              <a:t>(source Wiki)</a:t>
+            </a:r>
           </a:p>
         </p:txBody>
       </p:sp>
     </p:spTree>
     <p:extLst>
       <p:ext uri="{BB962C8B-B14F-4D97-AF65-F5344CB8AC3E}">
-        <p14:creationId xmlns:p14="http://schemas.microsoft.com/office/powerpoint/2010/main" val="1797398503"/>
+        <p14:creationId xmlns:p14="http://schemas.microsoft.com/office/powerpoint/2010/main" val="2045625011"/>
       </p:ext>
     </p:extLst>
   </p:cSld>
@@ -6596,29 +6761,42 @@
         </p:nvSpPr>
         <p:spPr/>
         <p:txBody>
-          <a:bodyPr/>
+          <a:bodyPr>
+            <a:normAutofit lnSpcReduction="10000"/>
+          </a:bodyPr>
           <a:lstStyle/>
           <a:p>
             <a:r>
               <a:rPr lang="en-US" dirty="0" smtClean="0"/>
-              <a:t>In this project, NFL Super Bowl </a:t>
-            </a:r>
-            <a:r>
-              <a:rPr lang="en-US" smtClean="0"/>
-              <a:t>team points </a:t>
+              <a:t>In this project, NFL Super Bowl team </a:t>
             </a:r>
             <a:r>
               <a:rPr lang="en-US" dirty="0" smtClean="0"/>
-              <a:t>are considered to determine which factors influence the most in </a:t>
+              <a:t>scores are </a:t>
             </a:r>
             <a:r>
               <a:rPr lang="en-US" dirty="0" smtClean="0"/>
-              <a:t>attaining their winning score. </a:t>
-            </a:r>
+              <a:t>considered to determine which factors influence the most in attaining their final winning score.</a:t>
+            </a:r>
+          </a:p>
+          <a:p>
             <a:r>
               <a:rPr lang="en-US" dirty="0" smtClean="0"/>
-              <a:t>We have considered the following factors.</a:t>
-            </a:r>
+              <a:t> </a:t>
+            </a:r>
+            <a:r>
+              <a:rPr lang="en-US" dirty="0" smtClean="0"/>
+              <a:t>For this analysis, we consider </a:t>
+            </a:r>
+            <a:r>
+              <a:rPr lang="en-US" dirty="0" smtClean="0"/>
+              <a:t>the following </a:t>
+            </a:r>
+            <a:r>
+              <a:rPr lang="en-US" dirty="0" smtClean="0"/>
+              <a:t>factors:</a:t>
+            </a:r>
+            <a:endParaRPr lang="en-US" dirty="0" smtClean="0"/>
           </a:p>
           <a:p>
             <a:pPr lvl="1"/>
@@ -6743,8 +6921,18 @@
           <a:p>
             <a:r>
               <a:rPr lang="en-US" dirty="0" smtClean="0"/>
-              <a:t>The data from 1967 to 2015 is considered for the analysis</a:t>
-            </a:r>
+              <a:t>The data from 1967 to 2015 is considered for the </a:t>
+            </a:r>
+            <a:r>
+              <a:rPr lang="en-US" dirty="0" smtClean="0"/>
+              <a:t>analysis</a:t>
+            </a:r>
+          </a:p>
+          <a:p>
+            <a:pPr marL="0" indent="0">
+              <a:buNone/>
+            </a:pPr>
+            <a:endParaRPr lang="en-US" dirty="0" smtClean="0"/>
           </a:p>
           <a:p>
             <a:endParaRPr lang="en-US" dirty="0"/>
@@ -6960,27 +7148,42 @@
             </a:r>
             <a:r>
               <a:rPr lang="en-IN" sz="2400" dirty="0"/>
-              <a:t>independent variables and the total score obtained by the winning team as the dependent </a:t>
+              <a:t>independent variables and the </a:t>
             </a:r>
             <a:r>
               <a:rPr lang="en-IN" sz="2400" dirty="0" smtClean="0"/>
-              <a:t>variable</a:t>
+              <a:t>final score </a:t>
+            </a:r>
+            <a:r>
+              <a:rPr lang="en-IN" sz="2400" dirty="0"/>
+              <a:t>obtained by the winning team as the dependent </a:t>
             </a:r>
             <a:r>
               <a:rPr lang="en-IN" sz="2400" dirty="0" smtClean="0"/>
-              <a:t>.</a:t>
+              <a:t>variable.</a:t>
             </a:r>
           </a:p>
           <a:p>
             <a:r>
               <a:rPr lang="en-IN" sz="2400" dirty="0"/>
-              <a:t>The initial dependencies of the variables are calculated using a correlation </a:t>
+              <a:t>The initial dependencies of the </a:t>
+            </a:r>
+            <a:r>
+              <a:rPr lang="en-IN" sz="2400" dirty="0" smtClean="0"/>
+              <a:t>factors are </a:t>
+            </a:r>
+            <a:r>
+              <a:rPr lang="en-IN" sz="2400" dirty="0"/>
+              <a:t>calculated using a </a:t>
+            </a:r>
+            <a:r>
+              <a:rPr lang="en-IN" sz="2400" dirty="0" smtClean="0"/>
+              <a:t>Correlation </a:t>
             </a:r>
             <a:r>
               <a:rPr lang="en-IN" sz="2400" dirty="0" smtClean="0"/>
               <a:t>Matrix</a:t>
             </a:r>
-            <a:endParaRPr lang="en-IN" sz="2400" dirty="0" smtClean="0"/>
           </a:p>
           <a:p>
             <a:r>
@@ -7015,11 +7218,15 @@
           <a:p>
             <a:r>
               <a:rPr lang="en-IN" sz="2400" dirty="0" smtClean="0"/>
-              <a:t>The </a:t>
+              <a:t>The software we will be using </a:t>
             </a:r>
             <a:r>
               <a:rPr lang="en-IN" sz="2400" dirty="0" smtClean="0"/>
-              <a:t>software we will be using is R studio.</a:t>
+              <a:t>for analysis is </a:t>
+            </a:r>
+            <a:r>
+              <a:rPr lang="en-IN" sz="2400" dirty="0" smtClean="0"/>
+              <a:t>R studio.</a:t>
             </a:r>
           </a:p>
           <a:p>
@@ -7095,7 +7302,62 @@
           <a:bodyPr/>
           <a:lstStyle/>
           <a:p>
-            <a:endParaRPr lang="en-US"/>
+            <a:r>
+              <a:rPr lang="en-US" dirty="0" smtClean="0"/>
+              <a:t>No Null values are present in the Dataset</a:t>
+            </a:r>
+          </a:p>
+          <a:p>
+            <a:endParaRPr lang="en-US" dirty="0" smtClean="0"/>
+          </a:p>
+          <a:p>
+            <a:r>
+              <a:rPr lang="en-US" dirty="0"/>
+              <a:t>The </a:t>
+            </a:r>
+            <a:r>
+              <a:rPr lang="en-US" dirty="0" smtClean="0"/>
+              <a:t>factors </a:t>
+            </a:r>
+            <a:r>
+              <a:rPr lang="en-US" dirty="0"/>
+              <a:t>Score, Rushing Yards, </a:t>
+            </a:r>
+            <a:r>
+              <a:rPr lang="en-US" dirty="0" err="1"/>
+              <a:t>Penalities</a:t>
+            </a:r>
+            <a:r>
+              <a:rPr lang="en-US" dirty="0"/>
+              <a:t>, Touchdowns, Field </a:t>
+            </a:r>
+            <a:r>
+              <a:rPr lang="en-US" dirty="0" smtClean="0"/>
+              <a:t>Goals are skewed to the right i.e. are positively </a:t>
+            </a:r>
+            <a:r>
+              <a:rPr lang="en-US" dirty="0"/>
+              <a:t>skewed while Total Offensive Plays, Passing </a:t>
+            </a:r>
+            <a:r>
+              <a:rPr lang="en-US" dirty="0" smtClean="0"/>
+              <a:t>Yards are negatively skewed.</a:t>
+            </a:r>
+          </a:p>
+          <a:p>
+            <a:endParaRPr lang="en-US" dirty="0" smtClean="0"/>
+          </a:p>
+          <a:p>
+            <a:r>
+              <a:rPr lang="en-US" dirty="0" smtClean="0"/>
+              <a:t> Dataset was checked for outliers by plotting scatterplots. No outliers were found.</a:t>
+            </a:r>
+          </a:p>
+          <a:p>
+            <a:endParaRPr lang="en-US" dirty="0" smtClean="0"/>
+          </a:p>
+          <a:p>
+            <a:endParaRPr lang="en-US" dirty="0"/>
           </a:p>
         </p:txBody>
       </p:sp>
@@ -7146,7 +7408,7 @@
           <a:p>
             <a:r>
               <a:rPr lang="en-US" dirty="0" smtClean="0"/>
-              <a:t>Status</a:t>
+              <a:t>Dataset Summary</a:t>
             </a:r>
             <a:endParaRPr lang="en-US" dirty="0"/>
           </a:p>
@@ -7154,7 +7416,7 @@
       </p:sp>
       <p:sp>
         <p:nvSpPr>
-          <p:cNvPr id="3" name="Content Placeholder 2"/>
+          <p:cNvPr id="5" name="Content Placeholder 4"/>
           <p:cNvSpPr>
             <a:spLocks noGrp="1"/>
           </p:cNvSpPr>
@@ -7169,44 +7431,46 @@
           <a:p>
             <a:r>
               <a:rPr lang="en-US" dirty="0" smtClean="0"/>
-              <a:t>Dataset from 1967 to </a:t>
-            </a:r>
-            <a:r>
-              <a:rPr lang="en-US" dirty="0" smtClean="0"/>
-              <a:t>2015 </a:t>
-            </a:r>
-            <a:r>
-              <a:rPr lang="en-US" dirty="0" smtClean="0"/>
-              <a:t>has been aggregated into a single </a:t>
-            </a:r>
-            <a:r>
-              <a:rPr lang="en-US" dirty="0" err="1" smtClean="0"/>
-              <a:t>csv</a:t>
-            </a:r>
-            <a:r>
-              <a:rPr lang="en-US" dirty="0" smtClean="0"/>
-              <a:t> file</a:t>
-            </a:r>
-          </a:p>
-          <a:p>
-            <a:r>
-              <a:rPr lang="en-US" dirty="0" smtClean="0"/>
-              <a:t>Preliminary analysis is complete</a:t>
-            </a:r>
-          </a:p>
-          <a:p>
-            <a:r>
-              <a:rPr lang="en-US" dirty="0" smtClean="0"/>
-              <a:t>Have started working on the Abstract and Introduction part of the Project Report</a:t>
+              <a:t>Statistical summary for the dataset</a:t>
             </a:r>
             <a:endParaRPr lang="en-US" dirty="0"/>
           </a:p>
         </p:txBody>
       </p:sp>
+      <p:pic>
+        <p:nvPicPr>
+          <p:cNvPr id="8" name="Picture 7" descr="Screen Shot 2016-03-31 at 10.31.20 AM.png"/>
+          <p:cNvPicPr>
+            <a:picLocks noChangeAspect="1"/>
+          </p:cNvPicPr>
+          <p:nvPr/>
+        </p:nvPicPr>
+        <p:blipFill>
+          <a:blip r:embed="rId2">
+            <a:extLst>
+              <a:ext uri="{28A0092B-C50C-407E-A947-70E740481C1C}">
+                <a14:useLocalDpi xmlns:a14="http://schemas.microsoft.com/office/drawing/2010/main" val="0"/>
+              </a:ext>
+            </a:extLst>
+          </a:blip>
+          <a:stretch>
+            <a:fillRect/>
+          </a:stretch>
+        </p:blipFill>
+        <p:spPr>
+          <a:xfrm>
+            <a:off x="772745" y="2173652"/>
+            <a:ext cx="7523285" cy="3687885"/>
+          </a:xfrm>
+          <a:prstGeom prst="rect">
+            <a:avLst/>
+          </a:prstGeom>
+        </p:spPr>
+      </p:pic>
     </p:spTree>
     <p:extLst>
       <p:ext uri="{BB962C8B-B14F-4D97-AF65-F5344CB8AC3E}">
-        <p14:creationId xmlns:p14="http://schemas.microsoft.com/office/powerpoint/2010/main" val="3108672790"/>
+        <p14:creationId xmlns:p14="http://schemas.microsoft.com/office/powerpoint/2010/main" val="3345655523"/>
       </p:ext>
     </p:extLst>
   </p:cSld>
